--- a/lectures materials/mmp/MMP5 Paradigms in Python part4.pptx
+++ b/lectures materials/mmp/MMP5 Paradigms in Python part4.pptx
@@ -4277,7 +4277,7 @@
           <p:cNvPr id="2" name="Заголовок 1">
             <a:extLst>
               <a:ext uri="{FF2B5EF4-FFF2-40B4-BE49-F238E27FC236}">
-                <a16:creationId xmlns:a16="http://schemas.microsoft.com/office/drawing/2014/main" xmlns="" id="{9937B8B6-83FA-8F52-6844-2083DF3BFCD4}"/>
+                <a16:creationId xmlns="" xmlns:a16="http://schemas.microsoft.com/office/drawing/2014/main" id="{9937B8B6-83FA-8F52-6844-2083DF3BFCD4}"/>
               </a:ext>
             </a:extLst>
           </p:cNvPr>
@@ -4321,7 +4321,7 @@
           <p:cNvPr id="3" name="Підзаголовок 2">
             <a:extLst>
               <a:ext uri="{FF2B5EF4-FFF2-40B4-BE49-F238E27FC236}">
-                <a16:creationId xmlns:a16="http://schemas.microsoft.com/office/drawing/2014/main" xmlns="" id="{E64F1456-974C-5B4F-F78A-FEBAF0780A05}"/>
+                <a16:creationId xmlns="" xmlns:a16="http://schemas.microsoft.com/office/drawing/2014/main" id="{E64F1456-974C-5B4F-F78A-FEBAF0780A05}"/>
               </a:ext>
             </a:extLst>
           </p:cNvPr>
@@ -7592,7 +7592,6 @@
               <a:rPr lang="en-US" b="1" dirty="0"/>
               <a:t> Substitution Principle, LSP)</a:t>
             </a:r>
-            <a:endParaRPr lang="en-US" b="1" dirty="0"/>
           </a:p>
         </p:txBody>
       </p:sp>
@@ -9558,7 +9557,6 @@
               <a:rPr lang="en-US" b="1" dirty="0"/>
               <a:t>Dependency Inversion Principle, DIP)</a:t>
             </a:r>
-            <a:endParaRPr lang="en-US" b="1" dirty="0"/>
           </a:p>
         </p:txBody>
       </p:sp>
@@ -10694,19 +10692,11 @@
           <a:p>
             <a:r>
               <a:rPr lang="ru-RU" dirty="0" smtClean="0"/>
-              <a:t>П</a:t>
-            </a:r>
-            <a:r>
-              <a:rPr lang="ru-RU" dirty="0" smtClean="0"/>
-              <a:t>арадигма </a:t>
+              <a:t>Парадигма </a:t>
             </a:r>
             <a:r>
               <a:rPr lang="ru-RU" dirty="0" err="1" smtClean="0"/>
-              <a:t>л</a:t>
-            </a:r>
-            <a:r>
-              <a:rPr lang="ru-RU" dirty="0" err="1" smtClean="0"/>
-              <a:t>огічного</a:t>
+              <a:t>логічного</a:t>
             </a:r>
             <a:r>
               <a:rPr lang="ru-RU" dirty="0" smtClean="0"/>
@@ -11008,7 +10998,6 @@
               <a:rPr lang="ru-RU" dirty="0"/>
               <a:t>.</a:t>
             </a:r>
-            <a:endParaRPr lang="ru-RU" dirty="0"/>
           </a:p>
         </p:txBody>
       </p:sp>
@@ -11414,7 +11403,6 @@
               <a:rPr lang="ru-RU" dirty="0"/>
               <a:t>.</a:t>
             </a:r>
-            <a:endParaRPr lang="ru-RU" dirty="0"/>
           </a:p>
         </p:txBody>
       </p:sp>
@@ -11838,7 +11826,6 @@
               <a:rPr lang="ru-RU" dirty="0"/>
               <a:t>.</a:t>
             </a:r>
-            <a:endParaRPr lang="ru-RU" dirty="0"/>
           </a:p>
         </p:txBody>
       </p:sp>
@@ -11985,11 +11972,7 @@
           <a:p>
             <a:r>
               <a:rPr lang="uk-UA" dirty="0" smtClean="0"/>
-              <a:t>Це розкриває широкі можливості для написання універсального коду, з довгою можливістю підтримки</a:t>
-            </a:r>
-            <a:r>
-              <a:rPr lang="uk-UA" dirty="0" smtClean="0"/>
-              <a:t>.</a:t>
+              <a:t>Це розкриває широкі можливості для написання універсального коду, з довгою можливістю підтримки.</a:t>
             </a:r>
             <a:endParaRPr lang="ru-RU" dirty="0"/>
           </a:p>
@@ -13151,7 +13134,6 @@
               <a:rPr lang="ru-RU" dirty="0"/>
               <a:t>.</a:t>
             </a:r>
-            <a:endParaRPr lang="ru-RU" dirty="0"/>
           </a:p>
         </p:txBody>
       </p:sp>
@@ -15221,7 +15203,7 @@
   <a:extraClrSchemeLst/>
   <a:extLst>
     <a:ext uri="{05A4C25C-085E-4340-85A3-A5531E510DB2}">
-      <thm15:themeFamily xmlns:thm15="http://schemas.microsoft.com/office/thememl/2012/main" xmlns="" name="Тема1" id="{884C1F1E-9F01-4BBC-9178-D2152F7854D1}" vid="{BC98F467-AD48-49C5-B04A-5003BE156FC1}"/>
+      <thm15:themeFamily xmlns="" xmlns:thm15="http://schemas.microsoft.com/office/thememl/2012/main" name="Тема1" id="{884C1F1E-9F01-4BBC-9178-D2152F7854D1}" vid="{BC98F467-AD48-49C5-B04A-5003BE156FC1}"/>
     </a:ext>
   </a:extLst>
 </a:theme>
